--- a/R2-258.pptx
+++ b/R2-258.pptx
@@ -9123,8 +9123,8 @@
         </p:nvSpPr>
         <p:spPr>
           <a:xfrm>
-            <a:off x="13008511" y="635474"/>
-            <a:ext cx="4250789" cy="752348"/>
+            <a:off x="7010301" y="1028539"/>
+            <a:ext cx="4250789" cy="770890"/>
           </a:xfrm>
           <a:prstGeom prst="rect">
             <a:avLst/>
@@ -9142,14 +9142,16 @@
               </a:lnSpc>
             </a:pPr>
             <a:r>
-              <a:rPr lang="en-US" sz="4700" spc="2349">
+              <a:rPr lang="en-US" sz="4700" spc="256">
                 <a:solidFill>
                   <a:srgbClr val="FFFFFF"/>
                 </a:solidFill>
-                <a:latin typeface="微软雅黑" panose="020B0503020204020204" charset="-122"/>
+                <a:latin typeface="Times New Roman" panose="02020603050405020304" charset="0"/>
                 <a:ea typeface="微软雅黑" panose="020B0503020204020204" charset="-122"/>
-              </a:rPr>
-              <a:t>目录</a:t>
+                <a:cs typeface="Times New Roman" panose="02020603050405020304" charset="0"/>
+                <a:sym typeface="+mn-ea"/>
+              </a:rPr>
+              <a:t>CONTENTS</a:t>
             </a:r>
             <a:endParaRPr lang="en-US" sz="4700" spc="2349">
               <a:solidFill>
@@ -9157,54 +9159,6 @@
               </a:solidFill>
               <a:latin typeface="微软雅黑" panose="020B0503020204020204" charset="-122"/>
               <a:ea typeface="微软雅黑" panose="020B0503020204020204" charset="-122"/>
-            </a:endParaRPr>
-          </a:p>
-        </p:txBody>
-      </p:sp>
-      <p:sp>
-        <p:nvSpPr>
-          <p:cNvPr id="36" name="TextBox 36"/>
-          <p:cNvSpPr txBox="1"/>
-          <p:nvPr/>
-        </p:nvSpPr>
-        <p:spPr>
-          <a:xfrm>
-            <a:off x="13008511" y="1557732"/>
-            <a:ext cx="4250789" cy="525145"/>
-          </a:xfrm>
-          <a:prstGeom prst="rect">
-            <a:avLst/>
-          </a:prstGeom>
-        </p:spPr>
-        <p:txBody>
-          <a:bodyPr lIns="0" tIns="0" rIns="0" bIns="0" rtlCol="0" anchor="t">
-            <a:spAutoFit/>
-          </a:bodyPr>
-          <a:lstStyle/>
-          <a:p>
-            <a:pPr algn="r">
-              <a:lnSpc>
-                <a:spcPts val="4095"/>
-              </a:lnSpc>
-            </a:pPr>
-            <a:r>
-              <a:rPr lang="en-US" sz="3200" spc="256">
-                <a:solidFill>
-                  <a:srgbClr val="FFFFFF"/>
-                </a:solidFill>
-                <a:latin typeface="Times New Roman" panose="02020603050405020304" charset="0"/>
-                <a:ea typeface="微软雅黑" panose="020B0503020204020204" charset="-122"/>
-                <a:cs typeface="Times New Roman" panose="02020603050405020304" charset="0"/>
-              </a:rPr>
-              <a:t>CONTENTS</a:t>
-            </a:r>
-            <a:endParaRPr lang="en-US" sz="3200" spc="256">
-              <a:solidFill>
-                <a:srgbClr val="FFFFFF"/>
-              </a:solidFill>
-              <a:latin typeface="Times New Roman" panose="02020603050405020304" charset="0"/>
-              <a:ea typeface="微软雅黑" panose="020B0503020204020204" charset="-122"/>
-              <a:cs typeface="Times New Roman" panose="02020603050405020304" charset="0"/>
             </a:endParaRPr>
           </a:p>
         </p:txBody>
